--- a/ppt 16-9/0702.祈求天上的神.pptx
+++ b/ppt 16-9/0702.祈求天上的神.pptx
@@ -5,7 +5,7 @@
     <p:sldMasterId id="2147483648" r:id="rId1"/>
   </p:sldMasterIdLst>
   <p:sldIdLst>
-    <p:sldId id="1924" r:id="rId2"/>
+    <p:sldId id="1926" r:id="rId2"/>
   </p:sldIdLst>
   <p:sldSz cx="12192000" cy="6858000"/>
   <p:notesSz cx="6858000" cy="9144000"/>
@@ -129,7 +129,7 @@
           <p:cNvPr id="2" name="标题 1">
             <a:extLst>
               <a:ext uri="{FF2B5EF4-FFF2-40B4-BE49-F238E27FC236}">
-                <a16:creationId xmlns:a16="http://schemas.microsoft.com/office/drawing/2014/main" id="{2680A50C-3D1C-A4CD-600E-1EF1A29E72AD}"/>
+                <a16:creationId xmlns:a16="http://schemas.microsoft.com/office/drawing/2014/main" id="{3F00DBF7-2E6C-968E-3B75-F51C061E3401}"/>
               </a:ext>
             </a:extLst>
           </p:cNvPr>
@@ -166,7 +166,7 @@
           <p:cNvPr id="3" name="副标题 2">
             <a:extLst>
               <a:ext uri="{FF2B5EF4-FFF2-40B4-BE49-F238E27FC236}">
-                <a16:creationId xmlns:a16="http://schemas.microsoft.com/office/drawing/2014/main" id="{55B64C3A-AE47-4240-37E5-3FD70C290F07}"/>
+                <a16:creationId xmlns:a16="http://schemas.microsoft.com/office/drawing/2014/main" id="{B69F9339-3525-D651-7B7C-267FD20BE91B}"/>
               </a:ext>
             </a:extLst>
           </p:cNvPr>
@@ -236,7 +236,7 @@
           <p:cNvPr id="4" name="日期占位符 3">
             <a:extLst>
               <a:ext uri="{FF2B5EF4-FFF2-40B4-BE49-F238E27FC236}">
-                <a16:creationId xmlns:a16="http://schemas.microsoft.com/office/drawing/2014/main" id="{90BE3711-C65B-E1CB-58CD-78FE55310D9A}"/>
+                <a16:creationId xmlns:a16="http://schemas.microsoft.com/office/drawing/2014/main" id="{A2EFDEE6-B354-2371-3B2A-C40C5DFF8F0A}"/>
               </a:ext>
             </a:extLst>
           </p:cNvPr>
@@ -252,7 +252,7 @@
           <a:bodyPr/>
           <a:lstStyle/>
           <a:p>
-            <a:fld id="{F14FBBAD-3D9F-4588-9E4B-DA8E1EB11438}" type="datetimeFigureOut">
+            <a:fld id="{3563604B-C091-4F96-9110-04881ACE483A}" type="datetimeFigureOut">
               <a:rPr lang="zh-CN" altLang="en-US" smtClean="0"/>
               <a:t>2024/3/10</a:t>
             </a:fld>
@@ -265,7 +265,7 @@
           <p:cNvPr id="5" name="页脚占位符 4">
             <a:extLst>
               <a:ext uri="{FF2B5EF4-FFF2-40B4-BE49-F238E27FC236}">
-                <a16:creationId xmlns:a16="http://schemas.microsoft.com/office/drawing/2014/main" id="{36E0BD2A-0B48-62B2-DCE8-BC2420C891F7}"/>
+                <a16:creationId xmlns:a16="http://schemas.microsoft.com/office/drawing/2014/main" id="{1FF2E448-4CD9-BC19-E267-B0E67A8CCCD3}"/>
               </a:ext>
             </a:extLst>
           </p:cNvPr>
@@ -290,7 +290,7 @@
           <p:cNvPr id="6" name="灯片编号占位符 5">
             <a:extLst>
               <a:ext uri="{FF2B5EF4-FFF2-40B4-BE49-F238E27FC236}">
-                <a16:creationId xmlns:a16="http://schemas.microsoft.com/office/drawing/2014/main" id="{EA0F22FD-CDB3-2044-A37A-6C2AE4C665DE}"/>
+                <a16:creationId xmlns:a16="http://schemas.microsoft.com/office/drawing/2014/main" id="{04C26FA7-4F8B-3385-3AB8-5DA0FFA1B5BB}"/>
               </a:ext>
             </a:extLst>
           </p:cNvPr>
@@ -306,7 +306,7 @@
           <a:bodyPr/>
           <a:lstStyle/>
           <a:p>
-            <a:fld id="{E605CBD3-A647-4B79-84FC-27EB154FDCAE}" type="slidenum">
+            <a:fld id="{D2BB0712-020C-4B7A-907D-2809C4B2D154}" type="slidenum">
               <a:rPr lang="zh-CN" altLang="en-US" smtClean="0"/>
               <a:t>‹#›</a:t>
             </a:fld>
@@ -317,7 +317,7 @@
     </p:spTree>
     <p:extLst>
       <p:ext uri="{BB962C8B-B14F-4D97-AF65-F5344CB8AC3E}">
-        <p14:creationId xmlns:p14="http://schemas.microsoft.com/office/powerpoint/2010/main" val="145133987"/>
+        <p14:creationId xmlns:p14="http://schemas.microsoft.com/office/powerpoint/2010/main" val="1740136119"/>
       </p:ext>
     </p:extLst>
   </p:cSld>
@@ -349,7 +349,7 @@
           <p:cNvPr id="2" name="标题 1">
             <a:extLst>
               <a:ext uri="{FF2B5EF4-FFF2-40B4-BE49-F238E27FC236}">
-                <a16:creationId xmlns:a16="http://schemas.microsoft.com/office/drawing/2014/main" id="{B621F9D1-67B0-8C66-4149-60E4A8ABEB80}"/>
+                <a16:creationId xmlns:a16="http://schemas.microsoft.com/office/drawing/2014/main" id="{DFDA9A25-BC24-4E38-E646-3737948D0CBB}"/>
               </a:ext>
             </a:extLst>
           </p:cNvPr>
@@ -377,7 +377,7 @@
           <p:cNvPr id="3" name="竖排文字占位符 2">
             <a:extLst>
               <a:ext uri="{FF2B5EF4-FFF2-40B4-BE49-F238E27FC236}">
-                <a16:creationId xmlns:a16="http://schemas.microsoft.com/office/drawing/2014/main" id="{951293CD-7278-1761-B8EA-CEDC590A5BE6}"/>
+                <a16:creationId xmlns:a16="http://schemas.microsoft.com/office/drawing/2014/main" id="{E0FEA53E-A24D-2681-A2A2-279F482DA5F9}"/>
               </a:ext>
             </a:extLst>
           </p:cNvPr>
@@ -434,7 +434,7 @@
           <p:cNvPr id="4" name="日期占位符 3">
             <a:extLst>
               <a:ext uri="{FF2B5EF4-FFF2-40B4-BE49-F238E27FC236}">
-                <a16:creationId xmlns:a16="http://schemas.microsoft.com/office/drawing/2014/main" id="{936C16D6-A4C2-8B96-93A5-6D88B6ACBA58}"/>
+                <a16:creationId xmlns:a16="http://schemas.microsoft.com/office/drawing/2014/main" id="{42D73F0F-71E0-8D9A-DFA9-E6CA0680A145}"/>
               </a:ext>
             </a:extLst>
           </p:cNvPr>
@@ -450,7 +450,7 @@
           <a:bodyPr/>
           <a:lstStyle/>
           <a:p>
-            <a:fld id="{F14FBBAD-3D9F-4588-9E4B-DA8E1EB11438}" type="datetimeFigureOut">
+            <a:fld id="{3563604B-C091-4F96-9110-04881ACE483A}" type="datetimeFigureOut">
               <a:rPr lang="zh-CN" altLang="en-US" smtClean="0"/>
               <a:t>2024/3/10</a:t>
             </a:fld>
@@ -463,7 +463,7 @@
           <p:cNvPr id="5" name="页脚占位符 4">
             <a:extLst>
               <a:ext uri="{FF2B5EF4-FFF2-40B4-BE49-F238E27FC236}">
-                <a16:creationId xmlns:a16="http://schemas.microsoft.com/office/drawing/2014/main" id="{0B6638F6-BDB4-A986-BB5B-755DA4E2A26E}"/>
+                <a16:creationId xmlns:a16="http://schemas.microsoft.com/office/drawing/2014/main" id="{7640D187-15B0-2040-ADF3-A0378C31CF57}"/>
               </a:ext>
             </a:extLst>
           </p:cNvPr>
@@ -488,7 +488,7 @@
           <p:cNvPr id="6" name="灯片编号占位符 5">
             <a:extLst>
               <a:ext uri="{FF2B5EF4-FFF2-40B4-BE49-F238E27FC236}">
-                <a16:creationId xmlns:a16="http://schemas.microsoft.com/office/drawing/2014/main" id="{9B24B551-686C-18F3-1827-90D2A589B7E0}"/>
+                <a16:creationId xmlns:a16="http://schemas.microsoft.com/office/drawing/2014/main" id="{52907B00-85A2-E14A-5BD0-22645FDE03E9}"/>
               </a:ext>
             </a:extLst>
           </p:cNvPr>
@@ -504,7 +504,7 @@
           <a:bodyPr/>
           <a:lstStyle/>
           <a:p>
-            <a:fld id="{E605CBD3-A647-4B79-84FC-27EB154FDCAE}" type="slidenum">
+            <a:fld id="{D2BB0712-020C-4B7A-907D-2809C4B2D154}" type="slidenum">
               <a:rPr lang="zh-CN" altLang="en-US" smtClean="0"/>
               <a:t>‹#›</a:t>
             </a:fld>
@@ -515,7 +515,7 @@
     </p:spTree>
     <p:extLst>
       <p:ext uri="{BB962C8B-B14F-4D97-AF65-F5344CB8AC3E}">
-        <p14:creationId xmlns:p14="http://schemas.microsoft.com/office/powerpoint/2010/main" val="830868554"/>
+        <p14:creationId xmlns:p14="http://schemas.microsoft.com/office/powerpoint/2010/main" val="333645250"/>
       </p:ext>
     </p:extLst>
   </p:cSld>
@@ -547,7 +547,7 @@
           <p:cNvPr id="2" name="竖排标题 1">
             <a:extLst>
               <a:ext uri="{FF2B5EF4-FFF2-40B4-BE49-F238E27FC236}">
-                <a16:creationId xmlns:a16="http://schemas.microsoft.com/office/drawing/2014/main" id="{FED38C43-32E1-B2EA-A4B1-589B22DCCA65}"/>
+                <a16:creationId xmlns:a16="http://schemas.microsoft.com/office/drawing/2014/main" id="{16F34039-C854-FE69-58BF-59BCC65402FB}"/>
               </a:ext>
             </a:extLst>
           </p:cNvPr>
@@ -580,7 +580,7 @@
           <p:cNvPr id="3" name="竖排文字占位符 2">
             <a:extLst>
               <a:ext uri="{FF2B5EF4-FFF2-40B4-BE49-F238E27FC236}">
-                <a16:creationId xmlns:a16="http://schemas.microsoft.com/office/drawing/2014/main" id="{0579C455-1206-3D8D-E1E4-AE8074B9EF77}"/>
+                <a16:creationId xmlns:a16="http://schemas.microsoft.com/office/drawing/2014/main" id="{79B86A2D-40C6-C200-C0DC-7C6CA1600BF5}"/>
               </a:ext>
             </a:extLst>
           </p:cNvPr>
@@ -642,7 +642,7 @@
           <p:cNvPr id="4" name="日期占位符 3">
             <a:extLst>
               <a:ext uri="{FF2B5EF4-FFF2-40B4-BE49-F238E27FC236}">
-                <a16:creationId xmlns:a16="http://schemas.microsoft.com/office/drawing/2014/main" id="{00CCC807-289D-48D0-09E5-0DA3A4C90B09}"/>
+                <a16:creationId xmlns:a16="http://schemas.microsoft.com/office/drawing/2014/main" id="{12AF670C-4B98-B765-C45A-3D8623BBD70E}"/>
               </a:ext>
             </a:extLst>
           </p:cNvPr>
@@ -658,7 +658,7 @@
           <a:bodyPr/>
           <a:lstStyle/>
           <a:p>
-            <a:fld id="{F14FBBAD-3D9F-4588-9E4B-DA8E1EB11438}" type="datetimeFigureOut">
+            <a:fld id="{3563604B-C091-4F96-9110-04881ACE483A}" type="datetimeFigureOut">
               <a:rPr lang="zh-CN" altLang="en-US" smtClean="0"/>
               <a:t>2024/3/10</a:t>
             </a:fld>
@@ -671,7 +671,7 @@
           <p:cNvPr id="5" name="页脚占位符 4">
             <a:extLst>
               <a:ext uri="{FF2B5EF4-FFF2-40B4-BE49-F238E27FC236}">
-                <a16:creationId xmlns:a16="http://schemas.microsoft.com/office/drawing/2014/main" id="{852B6EEA-8AD8-05D9-523E-D6446F1C1485}"/>
+                <a16:creationId xmlns:a16="http://schemas.microsoft.com/office/drawing/2014/main" id="{7CCD3D44-80AB-ACCA-5550-244929F5F5E2}"/>
               </a:ext>
             </a:extLst>
           </p:cNvPr>
@@ -696,7 +696,7 @@
           <p:cNvPr id="6" name="灯片编号占位符 5">
             <a:extLst>
               <a:ext uri="{FF2B5EF4-FFF2-40B4-BE49-F238E27FC236}">
-                <a16:creationId xmlns:a16="http://schemas.microsoft.com/office/drawing/2014/main" id="{C7C33859-7BD7-384C-D231-9C6B79EF2846}"/>
+                <a16:creationId xmlns:a16="http://schemas.microsoft.com/office/drawing/2014/main" id="{FC430398-AB33-F7D3-3D7B-B70F9B9F4C34}"/>
               </a:ext>
             </a:extLst>
           </p:cNvPr>
@@ -712,7 +712,7 @@
           <a:bodyPr/>
           <a:lstStyle/>
           <a:p>
-            <a:fld id="{E605CBD3-A647-4B79-84FC-27EB154FDCAE}" type="slidenum">
+            <a:fld id="{D2BB0712-020C-4B7A-907D-2809C4B2D154}" type="slidenum">
               <a:rPr lang="zh-CN" altLang="en-US" smtClean="0"/>
               <a:t>‹#›</a:t>
             </a:fld>
@@ -723,7 +723,7 @@
     </p:spTree>
     <p:extLst>
       <p:ext uri="{BB962C8B-B14F-4D97-AF65-F5344CB8AC3E}">
-        <p14:creationId xmlns:p14="http://schemas.microsoft.com/office/powerpoint/2010/main" val="4029118042"/>
+        <p14:creationId xmlns:p14="http://schemas.microsoft.com/office/powerpoint/2010/main" val="2635904"/>
       </p:ext>
     </p:extLst>
   </p:cSld>
@@ -755,7 +755,7 @@
           <p:cNvPr id="2" name="标题 1">
             <a:extLst>
               <a:ext uri="{FF2B5EF4-FFF2-40B4-BE49-F238E27FC236}">
-                <a16:creationId xmlns:a16="http://schemas.microsoft.com/office/drawing/2014/main" id="{5A3F4EC2-CB02-3696-44EC-2B481400FBAA}"/>
+                <a16:creationId xmlns:a16="http://schemas.microsoft.com/office/drawing/2014/main" id="{59F70735-06FE-21B0-4086-9E6E3EFD2789}"/>
               </a:ext>
             </a:extLst>
           </p:cNvPr>
@@ -783,7 +783,7 @@
           <p:cNvPr id="3" name="内容占位符 2">
             <a:extLst>
               <a:ext uri="{FF2B5EF4-FFF2-40B4-BE49-F238E27FC236}">
-                <a16:creationId xmlns:a16="http://schemas.microsoft.com/office/drawing/2014/main" id="{4B7A459E-B16B-EE1F-3D78-9FD782F3AE01}"/>
+                <a16:creationId xmlns:a16="http://schemas.microsoft.com/office/drawing/2014/main" id="{FA35DA45-D39D-85E0-6882-13F8F3A40677}"/>
               </a:ext>
             </a:extLst>
           </p:cNvPr>
@@ -840,7 +840,7 @@
           <p:cNvPr id="4" name="日期占位符 3">
             <a:extLst>
               <a:ext uri="{FF2B5EF4-FFF2-40B4-BE49-F238E27FC236}">
-                <a16:creationId xmlns:a16="http://schemas.microsoft.com/office/drawing/2014/main" id="{E780FC75-8D0E-CDC6-B15E-4AE2E2511122}"/>
+                <a16:creationId xmlns:a16="http://schemas.microsoft.com/office/drawing/2014/main" id="{DE04163F-0616-2DE7-9668-C5BF0F8B5F26}"/>
               </a:ext>
             </a:extLst>
           </p:cNvPr>
@@ -856,7 +856,7 @@
           <a:bodyPr/>
           <a:lstStyle/>
           <a:p>
-            <a:fld id="{F14FBBAD-3D9F-4588-9E4B-DA8E1EB11438}" type="datetimeFigureOut">
+            <a:fld id="{3563604B-C091-4F96-9110-04881ACE483A}" type="datetimeFigureOut">
               <a:rPr lang="zh-CN" altLang="en-US" smtClean="0"/>
               <a:t>2024/3/10</a:t>
             </a:fld>
@@ -869,7 +869,7 @@
           <p:cNvPr id="5" name="页脚占位符 4">
             <a:extLst>
               <a:ext uri="{FF2B5EF4-FFF2-40B4-BE49-F238E27FC236}">
-                <a16:creationId xmlns:a16="http://schemas.microsoft.com/office/drawing/2014/main" id="{DDD67C50-2063-B202-DE5D-FA3621AE79FA}"/>
+                <a16:creationId xmlns:a16="http://schemas.microsoft.com/office/drawing/2014/main" id="{43FEC4DF-23B1-44D6-46B4-3CF31E1706E3}"/>
               </a:ext>
             </a:extLst>
           </p:cNvPr>
@@ -894,7 +894,7 @@
           <p:cNvPr id="6" name="灯片编号占位符 5">
             <a:extLst>
               <a:ext uri="{FF2B5EF4-FFF2-40B4-BE49-F238E27FC236}">
-                <a16:creationId xmlns:a16="http://schemas.microsoft.com/office/drawing/2014/main" id="{24250C01-D49B-B633-274C-6858E913A2C0}"/>
+                <a16:creationId xmlns:a16="http://schemas.microsoft.com/office/drawing/2014/main" id="{A8FDAD7C-C6A2-2638-F71C-5BE4ED187CA4}"/>
               </a:ext>
             </a:extLst>
           </p:cNvPr>
@@ -910,7 +910,7 @@
           <a:bodyPr/>
           <a:lstStyle/>
           <a:p>
-            <a:fld id="{E605CBD3-A647-4B79-84FC-27EB154FDCAE}" type="slidenum">
+            <a:fld id="{D2BB0712-020C-4B7A-907D-2809C4B2D154}" type="slidenum">
               <a:rPr lang="zh-CN" altLang="en-US" smtClean="0"/>
               <a:t>‹#›</a:t>
             </a:fld>
@@ -921,7 +921,7 @@
     </p:spTree>
     <p:extLst>
       <p:ext uri="{BB962C8B-B14F-4D97-AF65-F5344CB8AC3E}">
-        <p14:creationId xmlns:p14="http://schemas.microsoft.com/office/powerpoint/2010/main" val="1199516569"/>
+        <p14:creationId xmlns:p14="http://schemas.microsoft.com/office/powerpoint/2010/main" val="672291143"/>
       </p:ext>
     </p:extLst>
   </p:cSld>
@@ -953,7 +953,7 @@
           <p:cNvPr id="2" name="标题 1">
             <a:extLst>
               <a:ext uri="{FF2B5EF4-FFF2-40B4-BE49-F238E27FC236}">
-                <a16:creationId xmlns:a16="http://schemas.microsoft.com/office/drawing/2014/main" id="{9FD4F5F9-61AA-0FB8-8656-D863BB211271}"/>
+                <a16:creationId xmlns:a16="http://schemas.microsoft.com/office/drawing/2014/main" id="{67076FCE-428B-9395-5BC5-34941063ED86}"/>
               </a:ext>
             </a:extLst>
           </p:cNvPr>
@@ -990,7 +990,7 @@
           <p:cNvPr id="3" name="文本占位符 2">
             <a:extLst>
               <a:ext uri="{FF2B5EF4-FFF2-40B4-BE49-F238E27FC236}">
-                <a16:creationId xmlns:a16="http://schemas.microsoft.com/office/drawing/2014/main" id="{0E72FFA4-4ADF-499F-76AA-D33398E0ADC8}"/>
+                <a16:creationId xmlns:a16="http://schemas.microsoft.com/office/drawing/2014/main" id="{52A911F0-6091-F931-0CB8-9BD3C1481DDA}"/>
               </a:ext>
             </a:extLst>
           </p:cNvPr>
@@ -1115,7 +1115,7 @@
           <p:cNvPr id="4" name="日期占位符 3">
             <a:extLst>
               <a:ext uri="{FF2B5EF4-FFF2-40B4-BE49-F238E27FC236}">
-                <a16:creationId xmlns:a16="http://schemas.microsoft.com/office/drawing/2014/main" id="{008DBB40-96AE-9A3F-3B1D-7D10E7529665}"/>
+                <a16:creationId xmlns:a16="http://schemas.microsoft.com/office/drawing/2014/main" id="{90D72408-7EB4-09DA-75D1-80DB004B6411}"/>
               </a:ext>
             </a:extLst>
           </p:cNvPr>
@@ -1131,7 +1131,7 @@
           <a:bodyPr/>
           <a:lstStyle/>
           <a:p>
-            <a:fld id="{F14FBBAD-3D9F-4588-9E4B-DA8E1EB11438}" type="datetimeFigureOut">
+            <a:fld id="{3563604B-C091-4F96-9110-04881ACE483A}" type="datetimeFigureOut">
               <a:rPr lang="zh-CN" altLang="en-US" smtClean="0"/>
               <a:t>2024/3/10</a:t>
             </a:fld>
@@ -1144,7 +1144,7 @@
           <p:cNvPr id="5" name="页脚占位符 4">
             <a:extLst>
               <a:ext uri="{FF2B5EF4-FFF2-40B4-BE49-F238E27FC236}">
-                <a16:creationId xmlns:a16="http://schemas.microsoft.com/office/drawing/2014/main" id="{95606BFB-6318-2570-1366-D41AAB640288}"/>
+                <a16:creationId xmlns:a16="http://schemas.microsoft.com/office/drawing/2014/main" id="{8C1F0268-F2EB-A49A-76E0-09522270B390}"/>
               </a:ext>
             </a:extLst>
           </p:cNvPr>
@@ -1169,7 +1169,7 @@
           <p:cNvPr id="6" name="灯片编号占位符 5">
             <a:extLst>
               <a:ext uri="{FF2B5EF4-FFF2-40B4-BE49-F238E27FC236}">
-                <a16:creationId xmlns:a16="http://schemas.microsoft.com/office/drawing/2014/main" id="{0C0E73D2-2AD5-3851-E6D0-65BEDA889978}"/>
+                <a16:creationId xmlns:a16="http://schemas.microsoft.com/office/drawing/2014/main" id="{15BE8C1A-73C8-A381-6AF5-25B09529E5BB}"/>
               </a:ext>
             </a:extLst>
           </p:cNvPr>
@@ -1185,7 +1185,7 @@
           <a:bodyPr/>
           <a:lstStyle/>
           <a:p>
-            <a:fld id="{E605CBD3-A647-4B79-84FC-27EB154FDCAE}" type="slidenum">
+            <a:fld id="{D2BB0712-020C-4B7A-907D-2809C4B2D154}" type="slidenum">
               <a:rPr lang="zh-CN" altLang="en-US" smtClean="0"/>
               <a:t>‹#›</a:t>
             </a:fld>
@@ -1196,7 +1196,7 @@
     </p:spTree>
     <p:extLst>
       <p:ext uri="{BB962C8B-B14F-4D97-AF65-F5344CB8AC3E}">
-        <p14:creationId xmlns:p14="http://schemas.microsoft.com/office/powerpoint/2010/main" val="3935402600"/>
+        <p14:creationId xmlns:p14="http://schemas.microsoft.com/office/powerpoint/2010/main" val="753652874"/>
       </p:ext>
     </p:extLst>
   </p:cSld>
@@ -1228,7 +1228,7 @@
           <p:cNvPr id="2" name="标题 1">
             <a:extLst>
               <a:ext uri="{FF2B5EF4-FFF2-40B4-BE49-F238E27FC236}">
-                <a16:creationId xmlns:a16="http://schemas.microsoft.com/office/drawing/2014/main" id="{8332E471-3B91-7E80-1047-2A5479219448}"/>
+                <a16:creationId xmlns:a16="http://schemas.microsoft.com/office/drawing/2014/main" id="{4143A03C-47A5-3347-DD0A-6EA1D737B3F0}"/>
               </a:ext>
             </a:extLst>
           </p:cNvPr>
@@ -1256,7 +1256,7 @@
           <p:cNvPr id="3" name="内容占位符 2">
             <a:extLst>
               <a:ext uri="{FF2B5EF4-FFF2-40B4-BE49-F238E27FC236}">
-                <a16:creationId xmlns:a16="http://schemas.microsoft.com/office/drawing/2014/main" id="{69A9F144-A30F-0400-23E4-3C913305FA42}"/>
+                <a16:creationId xmlns:a16="http://schemas.microsoft.com/office/drawing/2014/main" id="{4CE22A17-732D-9EE1-EDC3-8415ADA34ADA}"/>
               </a:ext>
             </a:extLst>
           </p:cNvPr>
@@ -1318,7 +1318,7 @@
           <p:cNvPr id="4" name="内容占位符 3">
             <a:extLst>
               <a:ext uri="{FF2B5EF4-FFF2-40B4-BE49-F238E27FC236}">
-                <a16:creationId xmlns:a16="http://schemas.microsoft.com/office/drawing/2014/main" id="{69CE4684-2CAE-9158-7CEF-6D0B43FB65EB}"/>
+                <a16:creationId xmlns:a16="http://schemas.microsoft.com/office/drawing/2014/main" id="{749C28C1-C5D8-1E2F-1299-64716B0C88F7}"/>
               </a:ext>
             </a:extLst>
           </p:cNvPr>
@@ -1380,7 +1380,7 @@
           <p:cNvPr id="5" name="日期占位符 4">
             <a:extLst>
               <a:ext uri="{FF2B5EF4-FFF2-40B4-BE49-F238E27FC236}">
-                <a16:creationId xmlns:a16="http://schemas.microsoft.com/office/drawing/2014/main" id="{9DE58551-3B49-BF8C-98D3-67C5977D5D9B}"/>
+                <a16:creationId xmlns:a16="http://schemas.microsoft.com/office/drawing/2014/main" id="{CA210A38-4CE0-1446-4AA6-69BDBEDEC6D3}"/>
               </a:ext>
             </a:extLst>
           </p:cNvPr>
@@ -1396,7 +1396,7 @@
           <a:bodyPr/>
           <a:lstStyle/>
           <a:p>
-            <a:fld id="{F14FBBAD-3D9F-4588-9E4B-DA8E1EB11438}" type="datetimeFigureOut">
+            <a:fld id="{3563604B-C091-4F96-9110-04881ACE483A}" type="datetimeFigureOut">
               <a:rPr lang="zh-CN" altLang="en-US" smtClean="0"/>
               <a:t>2024/3/10</a:t>
             </a:fld>
@@ -1409,7 +1409,7 @@
           <p:cNvPr id="6" name="页脚占位符 5">
             <a:extLst>
               <a:ext uri="{FF2B5EF4-FFF2-40B4-BE49-F238E27FC236}">
-                <a16:creationId xmlns:a16="http://schemas.microsoft.com/office/drawing/2014/main" id="{A7CF1DB6-90D3-2BC2-416B-FC0BADF96DE4}"/>
+                <a16:creationId xmlns:a16="http://schemas.microsoft.com/office/drawing/2014/main" id="{5B0457E7-D2CE-F2A8-EE7D-4CF99657D173}"/>
               </a:ext>
             </a:extLst>
           </p:cNvPr>
@@ -1434,7 +1434,7 @@
           <p:cNvPr id="7" name="灯片编号占位符 6">
             <a:extLst>
               <a:ext uri="{FF2B5EF4-FFF2-40B4-BE49-F238E27FC236}">
-                <a16:creationId xmlns:a16="http://schemas.microsoft.com/office/drawing/2014/main" id="{0622688F-024F-8BB4-4C53-D77749D4C42F}"/>
+                <a16:creationId xmlns:a16="http://schemas.microsoft.com/office/drawing/2014/main" id="{4DFF5FE1-EF49-FA4D-206A-FD5DE62B67AE}"/>
               </a:ext>
             </a:extLst>
           </p:cNvPr>
@@ -1450,7 +1450,7 @@
           <a:bodyPr/>
           <a:lstStyle/>
           <a:p>
-            <a:fld id="{E605CBD3-A647-4B79-84FC-27EB154FDCAE}" type="slidenum">
+            <a:fld id="{D2BB0712-020C-4B7A-907D-2809C4B2D154}" type="slidenum">
               <a:rPr lang="zh-CN" altLang="en-US" smtClean="0"/>
               <a:t>‹#›</a:t>
             </a:fld>
@@ -1461,7 +1461,7 @@
     </p:spTree>
     <p:extLst>
       <p:ext uri="{BB962C8B-B14F-4D97-AF65-F5344CB8AC3E}">
-        <p14:creationId xmlns:p14="http://schemas.microsoft.com/office/powerpoint/2010/main" val="438914672"/>
+        <p14:creationId xmlns:p14="http://schemas.microsoft.com/office/powerpoint/2010/main" val="595338113"/>
       </p:ext>
     </p:extLst>
   </p:cSld>
@@ -1493,7 +1493,7 @@
           <p:cNvPr id="2" name="标题 1">
             <a:extLst>
               <a:ext uri="{FF2B5EF4-FFF2-40B4-BE49-F238E27FC236}">
-                <a16:creationId xmlns:a16="http://schemas.microsoft.com/office/drawing/2014/main" id="{FD206F64-C254-352C-BDC7-E2B3A1FD1880}"/>
+                <a16:creationId xmlns:a16="http://schemas.microsoft.com/office/drawing/2014/main" id="{A23D6CE0-24BD-B319-6843-8DF017C282D5}"/>
               </a:ext>
             </a:extLst>
           </p:cNvPr>
@@ -1526,7 +1526,7 @@
           <p:cNvPr id="3" name="文本占位符 2">
             <a:extLst>
               <a:ext uri="{FF2B5EF4-FFF2-40B4-BE49-F238E27FC236}">
-                <a16:creationId xmlns:a16="http://schemas.microsoft.com/office/drawing/2014/main" id="{DBBBAA41-7A69-A030-22E1-A7B5F2F0A91B}"/>
+                <a16:creationId xmlns:a16="http://schemas.microsoft.com/office/drawing/2014/main" id="{0BDA2291-43B3-E809-7F47-62B3E6CD93F5}"/>
               </a:ext>
             </a:extLst>
           </p:cNvPr>
@@ -1597,7 +1597,7 @@
           <p:cNvPr id="4" name="内容占位符 3">
             <a:extLst>
               <a:ext uri="{FF2B5EF4-FFF2-40B4-BE49-F238E27FC236}">
-                <a16:creationId xmlns:a16="http://schemas.microsoft.com/office/drawing/2014/main" id="{B9DAC7DF-FD52-B35A-77CF-82F3CBA0A067}"/>
+                <a16:creationId xmlns:a16="http://schemas.microsoft.com/office/drawing/2014/main" id="{539E7B13-69F4-8A9A-E909-2021DB8ABC41}"/>
               </a:ext>
             </a:extLst>
           </p:cNvPr>
@@ -1659,7 +1659,7 @@
           <p:cNvPr id="5" name="文本占位符 4">
             <a:extLst>
               <a:ext uri="{FF2B5EF4-FFF2-40B4-BE49-F238E27FC236}">
-                <a16:creationId xmlns:a16="http://schemas.microsoft.com/office/drawing/2014/main" id="{3A2D62DB-E66B-1248-46AC-DF82E6C6CE94}"/>
+                <a16:creationId xmlns:a16="http://schemas.microsoft.com/office/drawing/2014/main" id="{7C9D54CC-7925-9CF5-AAF0-5F5A4EBF418E}"/>
               </a:ext>
             </a:extLst>
           </p:cNvPr>
@@ -1730,7 +1730,7 @@
           <p:cNvPr id="6" name="内容占位符 5">
             <a:extLst>
               <a:ext uri="{FF2B5EF4-FFF2-40B4-BE49-F238E27FC236}">
-                <a16:creationId xmlns:a16="http://schemas.microsoft.com/office/drawing/2014/main" id="{92CCBC78-7FFF-BA32-E3F0-E70CCC8C89DB}"/>
+                <a16:creationId xmlns:a16="http://schemas.microsoft.com/office/drawing/2014/main" id="{E6C85DDD-971E-E890-7D19-26ABCEAA9314}"/>
               </a:ext>
             </a:extLst>
           </p:cNvPr>
@@ -1792,7 +1792,7 @@
           <p:cNvPr id="7" name="日期占位符 6">
             <a:extLst>
               <a:ext uri="{FF2B5EF4-FFF2-40B4-BE49-F238E27FC236}">
-                <a16:creationId xmlns:a16="http://schemas.microsoft.com/office/drawing/2014/main" id="{6BB28AF7-4C10-2F81-B9B4-F8E63290C7B2}"/>
+                <a16:creationId xmlns:a16="http://schemas.microsoft.com/office/drawing/2014/main" id="{8F4D4735-AC15-89CA-1707-A44052377D1C}"/>
               </a:ext>
             </a:extLst>
           </p:cNvPr>
@@ -1808,7 +1808,7 @@
           <a:bodyPr/>
           <a:lstStyle/>
           <a:p>
-            <a:fld id="{F14FBBAD-3D9F-4588-9E4B-DA8E1EB11438}" type="datetimeFigureOut">
+            <a:fld id="{3563604B-C091-4F96-9110-04881ACE483A}" type="datetimeFigureOut">
               <a:rPr lang="zh-CN" altLang="en-US" smtClean="0"/>
               <a:t>2024/3/10</a:t>
             </a:fld>
@@ -1821,7 +1821,7 @@
           <p:cNvPr id="8" name="页脚占位符 7">
             <a:extLst>
               <a:ext uri="{FF2B5EF4-FFF2-40B4-BE49-F238E27FC236}">
-                <a16:creationId xmlns:a16="http://schemas.microsoft.com/office/drawing/2014/main" id="{6C5F5DA8-3DCF-1B5B-D5B0-D250BDC47756}"/>
+                <a16:creationId xmlns:a16="http://schemas.microsoft.com/office/drawing/2014/main" id="{D39C2E48-83D7-FF6A-26AD-E57E8C0621BA}"/>
               </a:ext>
             </a:extLst>
           </p:cNvPr>
@@ -1846,7 +1846,7 @@
           <p:cNvPr id="9" name="灯片编号占位符 8">
             <a:extLst>
               <a:ext uri="{FF2B5EF4-FFF2-40B4-BE49-F238E27FC236}">
-                <a16:creationId xmlns:a16="http://schemas.microsoft.com/office/drawing/2014/main" id="{F124773B-0993-9C70-CED7-D0B046C807CB}"/>
+                <a16:creationId xmlns:a16="http://schemas.microsoft.com/office/drawing/2014/main" id="{1084FC00-475B-C99C-8E0F-F34769384CA2}"/>
               </a:ext>
             </a:extLst>
           </p:cNvPr>
@@ -1862,7 +1862,7 @@
           <a:bodyPr/>
           <a:lstStyle/>
           <a:p>
-            <a:fld id="{E605CBD3-A647-4B79-84FC-27EB154FDCAE}" type="slidenum">
+            <a:fld id="{D2BB0712-020C-4B7A-907D-2809C4B2D154}" type="slidenum">
               <a:rPr lang="zh-CN" altLang="en-US" smtClean="0"/>
               <a:t>‹#›</a:t>
             </a:fld>
@@ -1873,7 +1873,7 @@
     </p:spTree>
     <p:extLst>
       <p:ext uri="{BB962C8B-B14F-4D97-AF65-F5344CB8AC3E}">
-        <p14:creationId xmlns:p14="http://schemas.microsoft.com/office/powerpoint/2010/main" val="1581232380"/>
+        <p14:creationId xmlns:p14="http://schemas.microsoft.com/office/powerpoint/2010/main" val="4205162019"/>
       </p:ext>
     </p:extLst>
   </p:cSld>
@@ -1905,7 +1905,7 @@
           <p:cNvPr id="2" name="标题 1">
             <a:extLst>
               <a:ext uri="{FF2B5EF4-FFF2-40B4-BE49-F238E27FC236}">
-                <a16:creationId xmlns:a16="http://schemas.microsoft.com/office/drawing/2014/main" id="{E36C6854-9980-FD68-D6A4-FE6E18E386E7}"/>
+                <a16:creationId xmlns:a16="http://schemas.microsoft.com/office/drawing/2014/main" id="{274F56DE-C843-0940-BD2A-4E0951CF5775}"/>
               </a:ext>
             </a:extLst>
           </p:cNvPr>
@@ -1933,7 +1933,7 @@
           <p:cNvPr id="3" name="日期占位符 2">
             <a:extLst>
               <a:ext uri="{FF2B5EF4-FFF2-40B4-BE49-F238E27FC236}">
-                <a16:creationId xmlns:a16="http://schemas.microsoft.com/office/drawing/2014/main" id="{558597BB-D196-20AB-D6AF-1B2F9F78A775}"/>
+                <a16:creationId xmlns:a16="http://schemas.microsoft.com/office/drawing/2014/main" id="{DE2A3D23-C136-7369-6E5A-F3FA0D3314D6}"/>
               </a:ext>
             </a:extLst>
           </p:cNvPr>
@@ -1949,7 +1949,7 @@
           <a:bodyPr/>
           <a:lstStyle/>
           <a:p>
-            <a:fld id="{F14FBBAD-3D9F-4588-9E4B-DA8E1EB11438}" type="datetimeFigureOut">
+            <a:fld id="{3563604B-C091-4F96-9110-04881ACE483A}" type="datetimeFigureOut">
               <a:rPr lang="zh-CN" altLang="en-US" smtClean="0"/>
               <a:t>2024/3/10</a:t>
             </a:fld>
@@ -1962,7 +1962,7 @@
           <p:cNvPr id="4" name="页脚占位符 3">
             <a:extLst>
               <a:ext uri="{FF2B5EF4-FFF2-40B4-BE49-F238E27FC236}">
-                <a16:creationId xmlns:a16="http://schemas.microsoft.com/office/drawing/2014/main" id="{6044AAFE-C1E1-D136-36E4-994DCB24AFD5}"/>
+                <a16:creationId xmlns:a16="http://schemas.microsoft.com/office/drawing/2014/main" id="{DC550103-98EC-E5F1-F21D-D2028704AD3E}"/>
               </a:ext>
             </a:extLst>
           </p:cNvPr>
@@ -1987,7 +1987,7 @@
           <p:cNvPr id="5" name="灯片编号占位符 4">
             <a:extLst>
               <a:ext uri="{FF2B5EF4-FFF2-40B4-BE49-F238E27FC236}">
-                <a16:creationId xmlns:a16="http://schemas.microsoft.com/office/drawing/2014/main" id="{C394B0E8-1941-81B4-DAFA-DB1081E64E94}"/>
+                <a16:creationId xmlns:a16="http://schemas.microsoft.com/office/drawing/2014/main" id="{93441AFD-57E4-1F79-3311-FC9356B6E7ED}"/>
               </a:ext>
             </a:extLst>
           </p:cNvPr>
@@ -2003,7 +2003,7 @@
           <a:bodyPr/>
           <a:lstStyle/>
           <a:p>
-            <a:fld id="{E605CBD3-A647-4B79-84FC-27EB154FDCAE}" type="slidenum">
+            <a:fld id="{D2BB0712-020C-4B7A-907D-2809C4B2D154}" type="slidenum">
               <a:rPr lang="zh-CN" altLang="en-US" smtClean="0"/>
               <a:t>‹#›</a:t>
             </a:fld>
@@ -2014,7 +2014,7 @@
     </p:spTree>
     <p:extLst>
       <p:ext uri="{BB962C8B-B14F-4D97-AF65-F5344CB8AC3E}">
-        <p14:creationId xmlns:p14="http://schemas.microsoft.com/office/powerpoint/2010/main" val="3125956930"/>
+        <p14:creationId xmlns:p14="http://schemas.microsoft.com/office/powerpoint/2010/main" val="3868313848"/>
       </p:ext>
     </p:extLst>
   </p:cSld>
@@ -2046,7 +2046,7 @@
           <p:cNvPr id="2" name="日期占位符 1">
             <a:extLst>
               <a:ext uri="{FF2B5EF4-FFF2-40B4-BE49-F238E27FC236}">
-                <a16:creationId xmlns:a16="http://schemas.microsoft.com/office/drawing/2014/main" id="{782FFED7-E333-0AD9-ECA6-8D33DBD1E59F}"/>
+                <a16:creationId xmlns:a16="http://schemas.microsoft.com/office/drawing/2014/main" id="{4824E449-18A8-C6EC-8157-710E94B90545}"/>
               </a:ext>
             </a:extLst>
           </p:cNvPr>
@@ -2062,7 +2062,7 @@
           <a:bodyPr/>
           <a:lstStyle/>
           <a:p>
-            <a:fld id="{F14FBBAD-3D9F-4588-9E4B-DA8E1EB11438}" type="datetimeFigureOut">
+            <a:fld id="{3563604B-C091-4F96-9110-04881ACE483A}" type="datetimeFigureOut">
               <a:rPr lang="zh-CN" altLang="en-US" smtClean="0"/>
               <a:t>2024/3/10</a:t>
             </a:fld>
@@ -2075,7 +2075,7 @@
           <p:cNvPr id="3" name="页脚占位符 2">
             <a:extLst>
               <a:ext uri="{FF2B5EF4-FFF2-40B4-BE49-F238E27FC236}">
-                <a16:creationId xmlns:a16="http://schemas.microsoft.com/office/drawing/2014/main" id="{33449BDB-38BB-9BCA-9774-7E4F902F4EE8}"/>
+                <a16:creationId xmlns:a16="http://schemas.microsoft.com/office/drawing/2014/main" id="{CADCCE80-6BB8-65FE-B19B-E040FA3AD197}"/>
               </a:ext>
             </a:extLst>
           </p:cNvPr>
@@ -2100,7 +2100,7 @@
           <p:cNvPr id="4" name="灯片编号占位符 3">
             <a:extLst>
               <a:ext uri="{FF2B5EF4-FFF2-40B4-BE49-F238E27FC236}">
-                <a16:creationId xmlns:a16="http://schemas.microsoft.com/office/drawing/2014/main" id="{BAA05122-F8F8-4155-4F70-D57523E602F4}"/>
+                <a16:creationId xmlns:a16="http://schemas.microsoft.com/office/drawing/2014/main" id="{430CA7FC-FF9B-A0DC-E5E3-3BD0B02D36DF}"/>
               </a:ext>
             </a:extLst>
           </p:cNvPr>
@@ -2116,7 +2116,7 @@
           <a:bodyPr/>
           <a:lstStyle/>
           <a:p>
-            <a:fld id="{E605CBD3-A647-4B79-84FC-27EB154FDCAE}" type="slidenum">
+            <a:fld id="{D2BB0712-020C-4B7A-907D-2809C4B2D154}" type="slidenum">
               <a:rPr lang="zh-CN" altLang="en-US" smtClean="0"/>
               <a:t>‹#›</a:t>
             </a:fld>
@@ -2127,7 +2127,7 @@
     </p:spTree>
     <p:extLst>
       <p:ext uri="{BB962C8B-B14F-4D97-AF65-F5344CB8AC3E}">
-        <p14:creationId xmlns:p14="http://schemas.microsoft.com/office/powerpoint/2010/main" val="3255367277"/>
+        <p14:creationId xmlns:p14="http://schemas.microsoft.com/office/powerpoint/2010/main" val="4045436280"/>
       </p:ext>
     </p:extLst>
   </p:cSld>
@@ -2159,7 +2159,7 @@
           <p:cNvPr id="2" name="标题 1">
             <a:extLst>
               <a:ext uri="{FF2B5EF4-FFF2-40B4-BE49-F238E27FC236}">
-                <a16:creationId xmlns:a16="http://schemas.microsoft.com/office/drawing/2014/main" id="{DBA826C8-AF9D-8A7C-63B2-1EE738D6BA5C}"/>
+                <a16:creationId xmlns:a16="http://schemas.microsoft.com/office/drawing/2014/main" id="{CE8CADEA-F2D3-C9BD-3291-EF554F46D354}"/>
               </a:ext>
             </a:extLst>
           </p:cNvPr>
@@ -2196,7 +2196,7 @@
           <p:cNvPr id="3" name="内容占位符 2">
             <a:extLst>
               <a:ext uri="{FF2B5EF4-FFF2-40B4-BE49-F238E27FC236}">
-                <a16:creationId xmlns:a16="http://schemas.microsoft.com/office/drawing/2014/main" id="{C79EBEB0-9A20-241C-E725-15C3386B9FE9}"/>
+                <a16:creationId xmlns:a16="http://schemas.microsoft.com/office/drawing/2014/main" id="{C33C80DB-4BC9-899E-862D-9A4CE6F62E64}"/>
               </a:ext>
             </a:extLst>
           </p:cNvPr>
@@ -2286,7 +2286,7 @@
           <p:cNvPr id="4" name="文本占位符 3">
             <a:extLst>
               <a:ext uri="{FF2B5EF4-FFF2-40B4-BE49-F238E27FC236}">
-                <a16:creationId xmlns:a16="http://schemas.microsoft.com/office/drawing/2014/main" id="{1A327990-7136-F450-B3B2-620D628422B1}"/>
+                <a16:creationId xmlns:a16="http://schemas.microsoft.com/office/drawing/2014/main" id="{9696100F-A5E1-F037-2421-64125FE99C5A}"/>
               </a:ext>
             </a:extLst>
           </p:cNvPr>
@@ -2357,7 +2357,7 @@
           <p:cNvPr id="5" name="日期占位符 4">
             <a:extLst>
               <a:ext uri="{FF2B5EF4-FFF2-40B4-BE49-F238E27FC236}">
-                <a16:creationId xmlns:a16="http://schemas.microsoft.com/office/drawing/2014/main" id="{5CB70AE4-4C04-38F7-A9A4-463BD5AFE8DE}"/>
+                <a16:creationId xmlns:a16="http://schemas.microsoft.com/office/drawing/2014/main" id="{DB35DF5A-045C-5FF9-F9FA-BA4EB327B059}"/>
               </a:ext>
             </a:extLst>
           </p:cNvPr>
@@ -2373,7 +2373,7 @@
           <a:bodyPr/>
           <a:lstStyle/>
           <a:p>
-            <a:fld id="{F14FBBAD-3D9F-4588-9E4B-DA8E1EB11438}" type="datetimeFigureOut">
+            <a:fld id="{3563604B-C091-4F96-9110-04881ACE483A}" type="datetimeFigureOut">
               <a:rPr lang="zh-CN" altLang="en-US" smtClean="0"/>
               <a:t>2024/3/10</a:t>
             </a:fld>
@@ -2386,7 +2386,7 @@
           <p:cNvPr id="6" name="页脚占位符 5">
             <a:extLst>
               <a:ext uri="{FF2B5EF4-FFF2-40B4-BE49-F238E27FC236}">
-                <a16:creationId xmlns:a16="http://schemas.microsoft.com/office/drawing/2014/main" id="{75568C3F-81C7-2BEB-C6E9-460AF04C2D1D}"/>
+                <a16:creationId xmlns:a16="http://schemas.microsoft.com/office/drawing/2014/main" id="{6858E5DA-97D3-E2C5-E83D-871BB8587C8A}"/>
               </a:ext>
             </a:extLst>
           </p:cNvPr>
@@ -2411,7 +2411,7 @@
           <p:cNvPr id="7" name="灯片编号占位符 6">
             <a:extLst>
               <a:ext uri="{FF2B5EF4-FFF2-40B4-BE49-F238E27FC236}">
-                <a16:creationId xmlns:a16="http://schemas.microsoft.com/office/drawing/2014/main" id="{3E0704F3-7EB5-2583-7676-B2307C0298DF}"/>
+                <a16:creationId xmlns:a16="http://schemas.microsoft.com/office/drawing/2014/main" id="{E6B11AC5-8E7F-7363-8BE8-560F3D66576A}"/>
               </a:ext>
             </a:extLst>
           </p:cNvPr>
@@ -2427,7 +2427,7 @@
           <a:bodyPr/>
           <a:lstStyle/>
           <a:p>
-            <a:fld id="{E605CBD3-A647-4B79-84FC-27EB154FDCAE}" type="slidenum">
+            <a:fld id="{D2BB0712-020C-4B7A-907D-2809C4B2D154}" type="slidenum">
               <a:rPr lang="zh-CN" altLang="en-US" smtClean="0"/>
               <a:t>‹#›</a:t>
             </a:fld>
@@ -2438,7 +2438,7 @@
     </p:spTree>
     <p:extLst>
       <p:ext uri="{BB962C8B-B14F-4D97-AF65-F5344CB8AC3E}">
-        <p14:creationId xmlns:p14="http://schemas.microsoft.com/office/powerpoint/2010/main" val="169993470"/>
+        <p14:creationId xmlns:p14="http://schemas.microsoft.com/office/powerpoint/2010/main" val="3827728799"/>
       </p:ext>
     </p:extLst>
   </p:cSld>
@@ -2470,7 +2470,7 @@
           <p:cNvPr id="2" name="标题 1">
             <a:extLst>
               <a:ext uri="{FF2B5EF4-FFF2-40B4-BE49-F238E27FC236}">
-                <a16:creationId xmlns:a16="http://schemas.microsoft.com/office/drawing/2014/main" id="{16A70BBD-60F5-E7CE-8AFF-5833400B24C0}"/>
+                <a16:creationId xmlns:a16="http://schemas.microsoft.com/office/drawing/2014/main" id="{CE2459B5-ACFE-D5EC-3884-2A0109CA3719}"/>
               </a:ext>
             </a:extLst>
           </p:cNvPr>
@@ -2507,7 +2507,7 @@
           <p:cNvPr id="3" name="图片占位符 2">
             <a:extLst>
               <a:ext uri="{FF2B5EF4-FFF2-40B4-BE49-F238E27FC236}">
-                <a16:creationId xmlns:a16="http://schemas.microsoft.com/office/drawing/2014/main" id="{30C1A1C8-B104-3897-827C-452189B991C6}"/>
+                <a16:creationId xmlns:a16="http://schemas.microsoft.com/office/drawing/2014/main" id="{9DEDE9E9-75F1-51AA-ECF3-ED9665F8ADE2}"/>
               </a:ext>
             </a:extLst>
           </p:cNvPr>
@@ -2574,7 +2574,7 @@
           <p:cNvPr id="4" name="文本占位符 3">
             <a:extLst>
               <a:ext uri="{FF2B5EF4-FFF2-40B4-BE49-F238E27FC236}">
-                <a16:creationId xmlns:a16="http://schemas.microsoft.com/office/drawing/2014/main" id="{980E615A-AAE7-F85A-9C42-CE32B9ED7627}"/>
+                <a16:creationId xmlns:a16="http://schemas.microsoft.com/office/drawing/2014/main" id="{73655932-3A77-D039-3E41-30F73FF556DF}"/>
               </a:ext>
             </a:extLst>
           </p:cNvPr>
@@ -2645,7 +2645,7 @@
           <p:cNvPr id="5" name="日期占位符 4">
             <a:extLst>
               <a:ext uri="{FF2B5EF4-FFF2-40B4-BE49-F238E27FC236}">
-                <a16:creationId xmlns:a16="http://schemas.microsoft.com/office/drawing/2014/main" id="{8FEB4737-0906-D863-860D-2CE43D3C5672}"/>
+                <a16:creationId xmlns:a16="http://schemas.microsoft.com/office/drawing/2014/main" id="{2CEB6F56-7C95-B78A-E969-4D5A9F4A5F50}"/>
               </a:ext>
             </a:extLst>
           </p:cNvPr>
@@ -2661,7 +2661,7 @@
           <a:bodyPr/>
           <a:lstStyle/>
           <a:p>
-            <a:fld id="{F14FBBAD-3D9F-4588-9E4B-DA8E1EB11438}" type="datetimeFigureOut">
+            <a:fld id="{3563604B-C091-4F96-9110-04881ACE483A}" type="datetimeFigureOut">
               <a:rPr lang="zh-CN" altLang="en-US" smtClean="0"/>
               <a:t>2024/3/10</a:t>
             </a:fld>
@@ -2674,7 +2674,7 @@
           <p:cNvPr id="6" name="页脚占位符 5">
             <a:extLst>
               <a:ext uri="{FF2B5EF4-FFF2-40B4-BE49-F238E27FC236}">
-                <a16:creationId xmlns:a16="http://schemas.microsoft.com/office/drawing/2014/main" id="{3A36B98A-C1C8-8173-A690-C4329692C614}"/>
+                <a16:creationId xmlns:a16="http://schemas.microsoft.com/office/drawing/2014/main" id="{9750A3AA-BC82-EBED-DE9A-25ADE3AF2BCD}"/>
               </a:ext>
             </a:extLst>
           </p:cNvPr>
@@ -2699,7 +2699,7 @@
           <p:cNvPr id="7" name="灯片编号占位符 6">
             <a:extLst>
               <a:ext uri="{FF2B5EF4-FFF2-40B4-BE49-F238E27FC236}">
-                <a16:creationId xmlns:a16="http://schemas.microsoft.com/office/drawing/2014/main" id="{1137FA85-C779-739A-3763-773059658275}"/>
+                <a16:creationId xmlns:a16="http://schemas.microsoft.com/office/drawing/2014/main" id="{3DB10D3F-25A7-642A-4F60-4AFBD82CC3B8}"/>
               </a:ext>
             </a:extLst>
           </p:cNvPr>
@@ -2715,7 +2715,7 @@
           <a:bodyPr/>
           <a:lstStyle/>
           <a:p>
-            <a:fld id="{E605CBD3-A647-4B79-84FC-27EB154FDCAE}" type="slidenum">
+            <a:fld id="{D2BB0712-020C-4B7A-907D-2809C4B2D154}" type="slidenum">
               <a:rPr lang="zh-CN" altLang="en-US" smtClean="0"/>
               <a:t>‹#›</a:t>
             </a:fld>
@@ -2726,7 +2726,7 @@
     </p:spTree>
     <p:extLst>
       <p:ext uri="{BB962C8B-B14F-4D97-AF65-F5344CB8AC3E}">
-        <p14:creationId xmlns:p14="http://schemas.microsoft.com/office/powerpoint/2010/main" val="516378585"/>
+        <p14:creationId xmlns:p14="http://schemas.microsoft.com/office/powerpoint/2010/main" val="2328093871"/>
       </p:ext>
     </p:extLst>
   </p:cSld>
@@ -2763,7 +2763,7 @@
           <p:cNvPr id="2" name="标题占位符 1">
             <a:extLst>
               <a:ext uri="{FF2B5EF4-FFF2-40B4-BE49-F238E27FC236}">
-                <a16:creationId xmlns:a16="http://schemas.microsoft.com/office/drawing/2014/main" id="{F76504D2-AA27-30DD-C4CB-0AE9F0E01468}"/>
+                <a16:creationId xmlns:a16="http://schemas.microsoft.com/office/drawing/2014/main" id="{E62ABF53-AF9C-3ECD-851D-50D9A8788783}"/>
               </a:ext>
             </a:extLst>
           </p:cNvPr>
@@ -2801,7 +2801,7 @@
           <p:cNvPr id="3" name="文本占位符 2">
             <a:extLst>
               <a:ext uri="{FF2B5EF4-FFF2-40B4-BE49-F238E27FC236}">
-                <a16:creationId xmlns:a16="http://schemas.microsoft.com/office/drawing/2014/main" id="{B38E58C0-834C-9A19-1C47-43AE1FFFF99B}"/>
+                <a16:creationId xmlns:a16="http://schemas.microsoft.com/office/drawing/2014/main" id="{C1D67314-E8AC-0ADC-7E2F-F9B04874B9DB}"/>
               </a:ext>
             </a:extLst>
           </p:cNvPr>
@@ -2868,7 +2868,7 @@
           <p:cNvPr id="4" name="日期占位符 3">
             <a:extLst>
               <a:ext uri="{FF2B5EF4-FFF2-40B4-BE49-F238E27FC236}">
-                <a16:creationId xmlns:a16="http://schemas.microsoft.com/office/drawing/2014/main" id="{3E3CC546-9935-8CDC-87FD-C9E53CC92589}"/>
+                <a16:creationId xmlns:a16="http://schemas.microsoft.com/office/drawing/2014/main" id="{F76E212A-55B3-5F1F-E1B7-D82B70723C08}"/>
               </a:ext>
             </a:extLst>
           </p:cNvPr>
@@ -2902,7 +2902,7 @@
             </a:lvl1pPr>
           </a:lstStyle>
           <a:p>
-            <a:fld id="{F14FBBAD-3D9F-4588-9E4B-DA8E1EB11438}" type="datetimeFigureOut">
+            <a:fld id="{3563604B-C091-4F96-9110-04881ACE483A}" type="datetimeFigureOut">
               <a:rPr lang="zh-CN" altLang="en-US" smtClean="0"/>
               <a:t>2024/3/10</a:t>
             </a:fld>
@@ -2915,7 +2915,7 @@
           <p:cNvPr id="5" name="页脚占位符 4">
             <a:extLst>
               <a:ext uri="{FF2B5EF4-FFF2-40B4-BE49-F238E27FC236}">
-                <a16:creationId xmlns:a16="http://schemas.microsoft.com/office/drawing/2014/main" id="{580F054E-DE31-2126-8113-8F0708C3EC27}"/>
+                <a16:creationId xmlns:a16="http://schemas.microsoft.com/office/drawing/2014/main" id="{305CE098-BA30-C0C8-33C0-B51C6E87E07E}"/>
               </a:ext>
             </a:extLst>
           </p:cNvPr>
@@ -2958,7 +2958,7 @@
           <p:cNvPr id="6" name="灯片编号占位符 5">
             <a:extLst>
               <a:ext uri="{FF2B5EF4-FFF2-40B4-BE49-F238E27FC236}">
-                <a16:creationId xmlns:a16="http://schemas.microsoft.com/office/drawing/2014/main" id="{EB5873F9-5B44-32A7-F316-E63C39532683}"/>
+                <a16:creationId xmlns:a16="http://schemas.microsoft.com/office/drawing/2014/main" id="{A9CB5831-2180-309A-3BAB-54FB22D450EF}"/>
               </a:ext>
             </a:extLst>
           </p:cNvPr>
@@ -2992,7 +2992,7 @@
             </a:lvl1pPr>
           </a:lstStyle>
           <a:p>
-            <a:fld id="{E605CBD3-A647-4B79-84FC-27EB154FDCAE}" type="slidenum">
+            <a:fld id="{D2BB0712-020C-4B7A-907D-2809C4B2D154}" type="slidenum">
               <a:rPr lang="zh-CN" altLang="en-US" smtClean="0"/>
               <a:t>‹#›</a:t>
             </a:fld>
@@ -3003,7 +3003,7 @@
     </p:spTree>
     <p:extLst>
       <p:ext uri="{BB962C8B-B14F-4D97-AF65-F5344CB8AC3E}">
-        <p14:creationId xmlns:p14="http://schemas.microsoft.com/office/powerpoint/2010/main" val="3892716855"/>
+        <p14:creationId xmlns:p14="http://schemas.microsoft.com/office/powerpoint/2010/main" val="752443418"/>
       </p:ext>
     </p:extLst>
   </p:cSld>
@@ -3323,7 +3323,7 @@
       </p:grpSpPr>
       <p:pic>
         <p:nvPicPr>
-          <p:cNvPr id="718850" name="Picture 2" descr="701"/>
+          <p:cNvPr id="719874" name="Picture 2" descr="702"/>
           <p:cNvPicPr>
             <a:picLocks noChangeAspect="1" noChangeArrowheads="1"/>
           </p:cNvPicPr>
@@ -3344,8 +3344,8 @@
         </p:blipFill>
         <p:spPr bwMode="auto">
           <a:xfrm>
-            <a:off x="1524000" y="0"/>
-            <a:ext cx="9144000" cy="6858000"/>
+            <a:off x="1524000" y="1"/>
+            <a:ext cx="9144000" cy="5229225"/>
           </a:xfrm>
           <a:prstGeom prst="rect">
             <a:avLst/>
